--- a/media/photo/PWM Diagrams.pptx
+++ b/media/photo/PWM Diagrams.pptx
@@ -261,7 +261,7 @@
           <a:p>
             <a:fld id="{F25ADFC4-2357-41D7-8F47-F1F2DE682B2C}" type="datetimeFigureOut">
               <a:rPr lang="en-AU" smtClean="0"/>
-              <a:t>17/03/2021</a:t>
+              <a:t>18/03/2021</a:t>
             </a:fld>
             <a:endParaRPr lang="en-AU"/>
           </a:p>
@@ -461,7 +461,7 @@
           <a:p>
             <a:fld id="{F25ADFC4-2357-41D7-8F47-F1F2DE682B2C}" type="datetimeFigureOut">
               <a:rPr lang="en-AU" smtClean="0"/>
-              <a:t>17/03/2021</a:t>
+              <a:t>18/03/2021</a:t>
             </a:fld>
             <a:endParaRPr lang="en-AU"/>
           </a:p>
@@ -671,7 +671,7 @@
           <a:p>
             <a:fld id="{F25ADFC4-2357-41D7-8F47-F1F2DE682B2C}" type="datetimeFigureOut">
               <a:rPr lang="en-AU" smtClean="0"/>
-              <a:t>17/03/2021</a:t>
+              <a:t>18/03/2021</a:t>
             </a:fld>
             <a:endParaRPr lang="en-AU"/>
           </a:p>
@@ -871,7 +871,7 @@
           <a:p>
             <a:fld id="{F25ADFC4-2357-41D7-8F47-F1F2DE682B2C}" type="datetimeFigureOut">
               <a:rPr lang="en-AU" smtClean="0"/>
-              <a:t>17/03/2021</a:t>
+              <a:t>18/03/2021</a:t>
             </a:fld>
             <a:endParaRPr lang="en-AU"/>
           </a:p>
@@ -1147,7 +1147,7 @@
           <a:p>
             <a:fld id="{F25ADFC4-2357-41D7-8F47-F1F2DE682B2C}" type="datetimeFigureOut">
               <a:rPr lang="en-AU" smtClean="0"/>
-              <a:t>17/03/2021</a:t>
+              <a:t>18/03/2021</a:t>
             </a:fld>
             <a:endParaRPr lang="en-AU"/>
           </a:p>
@@ -1415,7 +1415,7 @@
           <a:p>
             <a:fld id="{F25ADFC4-2357-41D7-8F47-F1F2DE682B2C}" type="datetimeFigureOut">
               <a:rPr lang="en-AU" smtClean="0"/>
-              <a:t>17/03/2021</a:t>
+              <a:t>18/03/2021</a:t>
             </a:fld>
             <a:endParaRPr lang="en-AU"/>
           </a:p>
@@ -1830,7 +1830,7 @@
           <a:p>
             <a:fld id="{F25ADFC4-2357-41D7-8F47-F1F2DE682B2C}" type="datetimeFigureOut">
               <a:rPr lang="en-AU" smtClean="0"/>
-              <a:t>17/03/2021</a:t>
+              <a:t>18/03/2021</a:t>
             </a:fld>
             <a:endParaRPr lang="en-AU"/>
           </a:p>
@@ -1972,7 +1972,7 @@
           <a:p>
             <a:fld id="{F25ADFC4-2357-41D7-8F47-F1F2DE682B2C}" type="datetimeFigureOut">
               <a:rPr lang="en-AU" smtClean="0"/>
-              <a:t>17/03/2021</a:t>
+              <a:t>18/03/2021</a:t>
             </a:fld>
             <a:endParaRPr lang="en-AU"/>
           </a:p>
@@ -2085,7 +2085,7 @@
           <a:p>
             <a:fld id="{F25ADFC4-2357-41D7-8F47-F1F2DE682B2C}" type="datetimeFigureOut">
               <a:rPr lang="en-AU" smtClean="0"/>
-              <a:t>17/03/2021</a:t>
+              <a:t>18/03/2021</a:t>
             </a:fld>
             <a:endParaRPr lang="en-AU"/>
           </a:p>
@@ -2398,7 +2398,7 @@
           <a:p>
             <a:fld id="{F25ADFC4-2357-41D7-8F47-F1F2DE682B2C}" type="datetimeFigureOut">
               <a:rPr lang="en-AU" smtClean="0"/>
-              <a:t>17/03/2021</a:t>
+              <a:t>18/03/2021</a:t>
             </a:fld>
             <a:endParaRPr lang="en-AU"/>
           </a:p>
@@ -2687,7 +2687,7 @@
           <a:p>
             <a:fld id="{F25ADFC4-2357-41D7-8F47-F1F2DE682B2C}" type="datetimeFigureOut">
               <a:rPr lang="en-AU" smtClean="0"/>
-              <a:t>17/03/2021</a:t>
+              <a:t>18/03/2021</a:t>
             </a:fld>
             <a:endParaRPr lang="en-AU"/>
           </a:p>
@@ -2930,7 +2930,7 @@
           <a:p>
             <a:fld id="{F25ADFC4-2357-41D7-8F47-F1F2DE682B2C}" type="datetimeFigureOut">
               <a:rPr lang="en-AU" smtClean="0"/>
-              <a:t>17/03/2021</a:t>
+              <a:t>18/03/2021</a:t>
             </a:fld>
             <a:endParaRPr lang="en-AU"/>
           </a:p>
@@ -7420,6 +7420,201 @@
           </a:p>
         </p:txBody>
       </p:sp>
+      <p:cxnSp>
+        <p:nvCxnSpPr>
+          <p:cNvPr id="3" name="Straight Connector 2">
+            <a:extLst>
+              <a:ext uri="{FF2B5EF4-FFF2-40B4-BE49-F238E27FC236}">
+                <a16:creationId xmlns:a16="http://schemas.microsoft.com/office/drawing/2014/main" id="{3A5688C8-19EB-4D73-B5A6-AC5E131A705A}"/>
+              </a:ext>
+            </a:extLst>
+          </p:cNvPr>
+          <p:cNvCxnSpPr>
+            <a:cxnSpLocks/>
+          </p:cNvCxnSpPr>
+          <p:nvPr/>
+        </p:nvCxnSpPr>
+        <p:spPr>
+          <a:xfrm flipV="1">
+            <a:off x="6640909" y="2212170"/>
+            <a:ext cx="0" cy="438433"/>
+          </a:xfrm>
+          <a:prstGeom prst="line">
+            <a:avLst/>
+          </a:prstGeom>
+          <a:ln w="57150"/>
+        </p:spPr>
+        <p:style>
+          <a:lnRef idx="1">
+            <a:schemeClr val="dk1"/>
+          </a:lnRef>
+          <a:fillRef idx="0">
+            <a:schemeClr val="dk1"/>
+          </a:fillRef>
+          <a:effectRef idx="0">
+            <a:schemeClr val="dk1"/>
+          </a:effectRef>
+          <a:fontRef idx="minor">
+            <a:schemeClr val="tx1"/>
+          </a:fontRef>
+        </p:style>
+      </p:cxnSp>
+      <p:cxnSp>
+        <p:nvCxnSpPr>
+          <p:cNvPr id="116" name="Straight Connector 115">
+            <a:extLst>
+              <a:ext uri="{FF2B5EF4-FFF2-40B4-BE49-F238E27FC236}">
+                <a16:creationId xmlns:a16="http://schemas.microsoft.com/office/drawing/2014/main" id="{82CBFE96-1CAA-4C54-B6E6-0030B6CA072F}"/>
+              </a:ext>
+            </a:extLst>
+          </p:cNvPr>
+          <p:cNvCxnSpPr>
+            <a:cxnSpLocks/>
+          </p:cNvCxnSpPr>
+          <p:nvPr/>
+        </p:nvCxnSpPr>
+        <p:spPr>
+          <a:xfrm flipV="1">
+            <a:off x="7070524" y="2189826"/>
+            <a:ext cx="0" cy="911440"/>
+          </a:xfrm>
+          <a:prstGeom prst="line">
+            <a:avLst/>
+          </a:prstGeom>
+          <a:ln w="57150"/>
+        </p:spPr>
+        <p:style>
+          <a:lnRef idx="1">
+            <a:schemeClr val="dk1"/>
+          </a:lnRef>
+          <a:fillRef idx="0">
+            <a:schemeClr val="dk1"/>
+          </a:fillRef>
+          <a:effectRef idx="0">
+            <a:schemeClr val="dk1"/>
+          </a:effectRef>
+          <a:fontRef idx="minor">
+            <a:schemeClr val="tx1"/>
+          </a:fontRef>
+        </p:style>
+      </p:cxnSp>
+      <p:cxnSp>
+        <p:nvCxnSpPr>
+          <p:cNvPr id="117" name="Straight Connector 116">
+            <a:extLst>
+              <a:ext uri="{FF2B5EF4-FFF2-40B4-BE49-F238E27FC236}">
+                <a16:creationId xmlns:a16="http://schemas.microsoft.com/office/drawing/2014/main" id="{F739B5CC-AAB8-4554-9576-A9196869CC8B}"/>
+              </a:ext>
+            </a:extLst>
+          </p:cNvPr>
+          <p:cNvCxnSpPr>
+            <a:cxnSpLocks/>
+          </p:cNvCxnSpPr>
+          <p:nvPr/>
+        </p:nvCxnSpPr>
+        <p:spPr>
+          <a:xfrm flipV="1">
+            <a:off x="7505114" y="2627790"/>
+            <a:ext cx="0" cy="473476"/>
+          </a:xfrm>
+          <a:prstGeom prst="line">
+            <a:avLst/>
+          </a:prstGeom>
+          <a:ln w="57150"/>
+        </p:spPr>
+        <p:style>
+          <a:lnRef idx="1">
+            <a:schemeClr val="dk1"/>
+          </a:lnRef>
+          <a:fillRef idx="0">
+            <a:schemeClr val="dk1"/>
+          </a:fillRef>
+          <a:effectRef idx="0">
+            <a:schemeClr val="dk1"/>
+          </a:effectRef>
+          <a:fontRef idx="minor">
+            <a:schemeClr val="tx1"/>
+          </a:fontRef>
+        </p:style>
+      </p:cxnSp>
+      <p:cxnSp>
+        <p:nvCxnSpPr>
+          <p:cNvPr id="119" name="Straight Connector 118">
+            <a:extLst>
+              <a:ext uri="{FF2B5EF4-FFF2-40B4-BE49-F238E27FC236}">
+                <a16:creationId xmlns:a16="http://schemas.microsoft.com/office/drawing/2014/main" id="{788F8DDE-A3C5-489C-BEB3-B838E143A040}"/>
+              </a:ext>
+            </a:extLst>
+          </p:cNvPr>
+          <p:cNvCxnSpPr>
+            <a:cxnSpLocks/>
+          </p:cNvCxnSpPr>
+          <p:nvPr/>
+        </p:nvCxnSpPr>
+        <p:spPr>
+          <a:xfrm flipH="1">
+            <a:off x="6613265" y="2212170"/>
+            <a:ext cx="483421" cy="0"/>
+          </a:xfrm>
+          <a:prstGeom prst="line">
+            <a:avLst/>
+          </a:prstGeom>
+          <a:ln w="57150"/>
+        </p:spPr>
+        <p:style>
+          <a:lnRef idx="1">
+            <a:schemeClr val="dk1"/>
+          </a:lnRef>
+          <a:fillRef idx="0">
+            <a:schemeClr val="dk1"/>
+          </a:fillRef>
+          <a:effectRef idx="0">
+            <a:schemeClr val="dk1"/>
+          </a:effectRef>
+          <a:fontRef idx="minor">
+            <a:schemeClr val="tx1"/>
+          </a:fontRef>
+        </p:style>
+      </p:cxnSp>
+      <p:cxnSp>
+        <p:nvCxnSpPr>
+          <p:cNvPr id="121" name="Straight Connector 120">
+            <a:extLst>
+              <a:ext uri="{FF2B5EF4-FFF2-40B4-BE49-F238E27FC236}">
+                <a16:creationId xmlns:a16="http://schemas.microsoft.com/office/drawing/2014/main" id="{21E1293B-1D2D-4952-9FB7-967452EF9CEE}"/>
+              </a:ext>
+            </a:extLst>
+          </p:cNvPr>
+          <p:cNvCxnSpPr>
+            <a:cxnSpLocks/>
+          </p:cNvCxnSpPr>
+          <p:nvPr/>
+        </p:nvCxnSpPr>
+        <p:spPr>
+          <a:xfrm flipH="1">
+            <a:off x="7052243" y="3070233"/>
+            <a:ext cx="483421" cy="0"/>
+          </a:xfrm>
+          <a:prstGeom prst="line">
+            <a:avLst/>
+          </a:prstGeom>
+          <a:ln w="57150"/>
+        </p:spPr>
+        <p:style>
+          <a:lnRef idx="1">
+            <a:schemeClr val="dk1"/>
+          </a:lnRef>
+          <a:fillRef idx="0">
+            <a:schemeClr val="dk1"/>
+          </a:fillRef>
+          <a:effectRef idx="0">
+            <a:schemeClr val="dk1"/>
+          </a:effectRef>
+          <a:fontRef idx="minor">
+            <a:schemeClr val="tx1"/>
+          </a:fontRef>
+        </p:style>
+      </p:cxnSp>
     </p:spTree>
     <p:extLst>
       <p:ext uri="{BB962C8B-B14F-4D97-AF65-F5344CB8AC3E}">
